--- a/Matches/USPSA - Renton - March 2021/Bay 3 - I want to get off Mr. Bones’ wild ride.pptx
+++ b/Matches/USPSA - Renton - March 2021/Bay 3 - I want to get off Mr. Bones’ wild ride.pptx
@@ -258,7 +258,7 @@
               <a:pPr>
                 <a:defRPr/>
               </a:pPr>
-              <a:t>3/22/21</a:t>
+              <a:t>26.03.2021</a:t>
             </a:fld>
             <a:endParaRPr lang="en-US"/>
           </a:p>
@@ -5356,322 +5356,6 @@
           </a:extLst>
         </p:spPr>
       </p:pic>
-      <p:sp>
-        <p:nvSpPr>
-          <p:cNvPr id="7" name="TextBox 6">
-            <a:extLst>
-              <a:ext uri="{FF2B5EF4-FFF2-40B4-BE49-F238E27FC236}">
-                <a16:creationId xmlns:a16="http://schemas.microsoft.com/office/drawing/2014/main" id="{77BAA109-33AA-854E-B6AD-E1532897A88C}"/>
-              </a:ext>
-            </a:extLst>
-          </p:cNvPr>
-          <p:cNvSpPr txBox="1"/>
-          <p:nvPr/>
-        </p:nvSpPr>
-        <p:spPr>
-          <a:xfrm>
-            <a:off x="-4893397" y="3929975"/>
-            <a:ext cx="533400" cy="369332"/>
-          </a:xfrm>
-          <a:prstGeom prst="rect">
-            <a:avLst/>
-          </a:prstGeom>
-          <a:noFill/>
-        </p:spPr>
-        <p:txBody>
-          <a:bodyPr wrap="square" rtlCol="0">
-            <a:spAutoFit/>
-          </a:bodyPr>
-          <a:lstStyle/>
-          <a:p>
-            <a:r>
-              <a:rPr lang="en-US" b="1" dirty="0"/>
-              <a:t>T1</a:t>
-            </a:r>
-          </a:p>
-        </p:txBody>
-      </p:sp>
-      <p:sp>
-        <p:nvSpPr>
-          <p:cNvPr id="25" name="TextBox 24">
-            <a:extLst>
-              <a:ext uri="{FF2B5EF4-FFF2-40B4-BE49-F238E27FC236}">
-                <a16:creationId xmlns:a16="http://schemas.microsoft.com/office/drawing/2014/main" id="{F459BAA8-BE55-4F4C-80A7-B76294C01580}"/>
-              </a:ext>
-            </a:extLst>
-          </p:cNvPr>
-          <p:cNvSpPr txBox="1"/>
-          <p:nvPr/>
-        </p:nvSpPr>
-        <p:spPr>
-          <a:xfrm>
-            <a:off x="-4893397" y="4246602"/>
-            <a:ext cx="533400" cy="369332"/>
-          </a:xfrm>
-          <a:prstGeom prst="rect">
-            <a:avLst/>
-          </a:prstGeom>
-          <a:noFill/>
-        </p:spPr>
-        <p:txBody>
-          <a:bodyPr wrap="square" rtlCol="0">
-            <a:spAutoFit/>
-          </a:bodyPr>
-          <a:lstStyle/>
-          <a:p>
-            <a:r>
-              <a:rPr lang="en-US" b="1" dirty="0"/>
-              <a:t>T2</a:t>
-            </a:r>
-          </a:p>
-        </p:txBody>
-      </p:sp>
-      <p:sp>
-        <p:nvSpPr>
-          <p:cNvPr id="26" name="TextBox 25">
-            <a:extLst>
-              <a:ext uri="{FF2B5EF4-FFF2-40B4-BE49-F238E27FC236}">
-                <a16:creationId xmlns:a16="http://schemas.microsoft.com/office/drawing/2014/main" id="{5E790792-3CD7-B34D-8A1B-58BFDC91BBB4}"/>
-              </a:ext>
-            </a:extLst>
-          </p:cNvPr>
-          <p:cNvSpPr txBox="1"/>
-          <p:nvPr/>
-        </p:nvSpPr>
-        <p:spPr>
-          <a:xfrm>
-            <a:off x="-4885093" y="4563229"/>
-            <a:ext cx="533400" cy="369332"/>
-          </a:xfrm>
-          <a:prstGeom prst="rect">
-            <a:avLst/>
-          </a:prstGeom>
-          <a:noFill/>
-        </p:spPr>
-        <p:txBody>
-          <a:bodyPr wrap="square" rtlCol="0">
-            <a:spAutoFit/>
-          </a:bodyPr>
-          <a:lstStyle/>
-          <a:p>
-            <a:r>
-              <a:rPr lang="en-US" b="1" dirty="0"/>
-              <a:t>T3</a:t>
-            </a:r>
-          </a:p>
-        </p:txBody>
-      </p:sp>
-      <p:sp>
-        <p:nvSpPr>
-          <p:cNvPr id="27" name="TextBox 26">
-            <a:extLst>
-              <a:ext uri="{FF2B5EF4-FFF2-40B4-BE49-F238E27FC236}">
-                <a16:creationId xmlns:a16="http://schemas.microsoft.com/office/drawing/2014/main" id="{2AD0853D-F09C-DD43-A46F-2177BE4FA0B1}"/>
-              </a:ext>
-            </a:extLst>
-          </p:cNvPr>
-          <p:cNvSpPr txBox="1"/>
-          <p:nvPr/>
-        </p:nvSpPr>
-        <p:spPr>
-          <a:xfrm>
-            <a:off x="-4893397" y="4864814"/>
-            <a:ext cx="533400" cy="369332"/>
-          </a:xfrm>
-          <a:prstGeom prst="rect">
-            <a:avLst/>
-          </a:prstGeom>
-          <a:noFill/>
-        </p:spPr>
-        <p:txBody>
-          <a:bodyPr wrap="square" rtlCol="0">
-            <a:spAutoFit/>
-          </a:bodyPr>
-          <a:lstStyle/>
-          <a:p>
-            <a:r>
-              <a:rPr lang="en-US" b="1" dirty="0"/>
-              <a:t>T4</a:t>
-            </a:r>
-          </a:p>
-        </p:txBody>
-      </p:sp>
-      <p:sp>
-        <p:nvSpPr>
-          <p:cNvPr id="28" name="TextBox 27">
-            <a:extLst>
-              <a:ext uri="{FF2B5EF4-FFF2-40B4-BE49-F238E27FC236}">
-                <a16:creationId xmlns:a16="http://schemas.microsoft.com/office/drawing/2014/main" id="{429D2FD8-2FD5-C447-9137-CC7576C93339}"/>
-              </a:ext>
-            </a:extLst>
-          </p:cNvPr>
-          <p:cNvSpPr txBox="1"/>
-          <p:nvPr/>
-        </p:nvSpPr>
-        <p:spPr>
-          <a:xfrm>
-            <a:off x="-4893397" y="5181441"/>
-            <a:ext cx="533400" cy="369332"/>
-          </a:xfrm>
-          <a:prstGeom prst="rect">
-            <a:avLst/>
-          </a:prstGeom>
-          <a:noFill/>
-        </p:spPr>
-        <p:txBody>
-          <a:bodyPr wrap="square" rtlCol="0">
-            <a:spAutoFit/>
-          </a:bodyPr>
-          <a:lstStyle/>
-          <a:p>
-            <a:r>
-              <a:rPr lang="en-US" b="1" dirty="0"/>
-              <a:t>T5</a:t>
-            </a:r>
-          </a:p>
-        </p:txBody>
-      </p:sp>
-      <p:sp>
-        <p:nvSpPr>
-          <p:cNvPr id="29" name="TextBox 28">
-            <a:extLst>
-              <a:ext uri="{FF2B5EF4-FFF2-40B4-BE49-F238E27FC236}">
-                <a16:creationId xmlns:a16="http://schemas.microsoft.com/office/drawing/2014/main" id="{3841CCFF-1D70-1946-8EA1-0BEE64768E5E}"/>
-              </a:ext>
-            </a:extLst>
-          </p:cNvPr>
-          <p:cNvSpPr txBox="1"/>
-          <p:nvPr/>
-        </p:nvSpPr>
-        <p:spPr>
-          <a:xfrm>
-            <a:off x="-4885093" y="5498068"/>
-            <a:ext cx="533400" cy="369332"/>
-          </a:xfrm>
-          <a:prstGeom prst="rect">
-            <a:avLst/>
-          </a:prstGeom>
-          <a:noFill/>
-        </p:spPr>
-        <p:txBody>
-          <a:bodyPr wrap="square" rtlCol="0">
-            <a:spAutoFit/>
-          </a:bodyPr>
-          <a:lstStyle/>
-          <a:p>
-            <a:r>
-              <a:rPr lang="en-US" b="1" dirty="0"/>
-              <a:t>T6</a:t>
-            </a:r>
-          </a:p>
-        </p:txBody>
-      </p:sp>
-      <p:sp>
-        <p:nvSpPr>
-          <p:cNvPr id="30" name="TextBox 29">
-            <a:extLst>
-              <a:ext uri="{FF2B5EF4-FFF2-40B4-BE49-F238E27FC236}">
-                <a16:creationId xmlns:a16="http://schemas.microsoft.com/office/drawing/2014/main" id="{C6311B85-3EA0-9F43-B91D-BFB663DDA112}"/>
-              </a:ext>
-            </a:extLst>
-          </p:cNvPr>
-          <p:cNvSpPr txBox="1"/>
-          <p:nvPr/>
-        </p:nvSpPr>
-        <p:spPr>
-          <a:xfrm>
-            <a:off x="-4886032" y="5836497"/>
-            <a:ext cx="533400" cy="369332"/>
-          </a:xfrm>
-          <a:prstGeom prst="rect">
-            <a:avLst/>
-          </a:prstGeom>
-          <a:noFill/>
-        </p:spPr>
-        <p:txBody>
-          <a:bodyPr wrap="square" rtlCol="0">
-            <a:spAutoFit/>
-          </a:bodyPr>
-          <a:lstStyle/>
-          <a:p>
-            <a:r>
-              <a:rPr lang="en-US" b="1" dirty="0"/>
-              <a:t>T7</a:t>
-            </a:r>
-          </a:p>
-        </p:txBody>
-      </p:sp>
-      <p:sp>
-        <p:nvSpPr>
-          <p:cNvPr id="31" name="TextBox 30">
-            <a:extLst>
-              <a:ext uri="{FF2B5EF4-FFF2-40B4-BE49-F238E27FC236}">
-                <a16:creationId xmlns:a16="http://schemas.microsoft.com/office/drawing/2014/main" id="{6A2734EE-2DF1-2A47-8A93-7023374952A4}"/>
-              </a:ext>
-            </a:extLst>
-          </p:cNvPr>
-          <p:cNvSpPr txBox="1"/>
-          <p:nvPr/>
-        </p:nvSpPr>
-        <p:spPr>
-          <a:xfrm>
-            <a:off x="-4886032" y="6153124"/>
-            <a:ext cx="533400" cy="369332"/>
-          </a:xfrm>
-          <a:prstGeom prst="rect">
-            <a:avLst/>
-          </a:prstGeom>
-          <a:noFill/>
-        </p:spPr>
-        <p:txBody>
-          <a:bodyPr wrap="square" rtlCol="0">
-            <a:spAutoFit/>
-          </a:bodyPr>
-          <a:lstStyle/>
-          <a:p>
-            <a:r>
-              <a:rPr lang="en-US" b="1" dirty="0"/>
-              <a:t>T8</a:t>
-            </a:r>
-          </a:p>
-        </p:txBody>
-      </p:sp>
-      <p:sp>
-        <p:nvSpPr>
-          <p:cNvPr id="32" name="TextBox 31">
-            <a:extLst>
-              <a:ext uri="{FF2B5EF4-FFF2-40B4-BE49-F238E27FC236}">
-                <a16:creationId xmlns:a16="http://schemas.microsoft.com/office/drawing/2014/main" id="{68425989-42C6-1943-A516-ADF5EDBFC8F2}"/>
-              </a:ext>
-            </a:extLst>
-          </p:cNvPr>
-          <p:cNvSpPr txBox="1"/>
-          <p:nvPr/>
-        </p:nvSpPr>
-        <p:spPr>
-          <a:xfrm>
-            <a:off x="-4877728" y="6469751"/>
-            <a:ext cx="533400" cy="369332"/>
-          </a:xfrm>
-          <a:prstGeom prst="rect">
-            <a:avLst/>
-          </a:prstGeom>
-          <a:noFill/>
-        </p:spPr>
-        <p:txBody>
-          <a:bodyPr wrap="square" rtlCol="0">
-            <a:spAutoFit/>
-          </a:bodyPr>
-          <a:lstStyle/>
-          <a:p>
-            <a:r>
-              <a:rPr lang="en-US" b="1"/>
-              <a:t>T9</a:t>
-            </a:r>
-            <a:endParaRPr lang="en-US" b="1" dirty="0"/>
-          </a:p>
-        </p:txBody>
-      </p:sp>
       <p:grpSp>
         <p:nvGrpSpPr>
           <p:cNvPr id="83" name="Group 827">
